--- a/osi-and-tcp.pptx
+++ b/osi-and-tcp.pptx
@@ -259,7 +259,7 @@
           <a:p>
             <a:fld id="{3DAA3491-8CDC-4C43-9D02-704F392174B2}" type="datetimeFigureOut">
               <a:rPr lang="ko-KR" altLang="en-US" smtClean="0"/>
-              <a:t>2020-07-13</a:t>
+              <a:t>2020-07-22</a:t>
             </a:fld>
             <a:endParaRPr lang="ko-KR" altLang="en-US"/>
           </a:p>
@@ -457,7 +457,7 @@
           <a:p>
             <a:fld id="{3DAA3491-8CDC-4C43-9D02-704F392174B2}" type="datetimeFigureOut">
               <a:rPr lang="ko-KR" altLang="en-US" smtClean="0"/>
-              <a:t>2020-07-13</a:t>
+              <a:t>2020-07-22</a:t>
             </a:fld>
             <a:endParaRPr lang="ko-KR" altLang="en-US"/>
           </a:p>
@@ -665,7 +665,7 @@
           <a:p>
             <a:fld id="{3DAA3491-8CDC-4C43-9D02-704F392174B2}" type="datetimeFigureOut">
               <a:rPr lang="ko-KR" altLang="en-US" smtClean="0"/>
-              <a:t>2020-07-13</a:t>
+              <a:t>2020-07-22</a:t>
             </a:fld>
             <a:endParaRPr lang="ko-KR" altLang="en-US"/>
           </a:p>
@@ -863,7 +863,7 @@
           <a:p>
             <a:fld id="{3DAA3491-8CDC-4C43-9D02-704F392174B2}" type="datetimeFigureOut">
               <a:rPr lang="ko-KR" altLang="en-US" smtClean="0"/>
-              <a:t>2020-07-13</a:t>
+              <a:t>2020-07-22</a:t>
             </a:fld>
             <a:endParaRPr lang="ko-KR" altLang="en-US"/>
           </a:p>
@@ -1138,7 +1138,7 @@
           <a:p>
             <a:fld id="{3DAA3491-8CDC-4C43-9D02-704F392174B2}" type="datetimeFigureOut">
               <a:rPr lang="ko-KR" altLang="en-US" smtClean="0"/>
-              <a:t>2020-07-13</a:t>
+              <a:t>2020-07-22</a:t>
             </a:fld>
             <a:endParaRPr lang="ko-KR" altLang="en-US"/>
           </a:p>
@@ -1403,7 +1403,7 @@
           <a:p>
             <a:fld id="{3DAA3491-8CDC-4C43-9D02-704F392174B2}" type="datetimeFigureOut">
               <a:rPr lang="ko-KR" altLang="en-US" smtClean="0"/>
-              <a:t>2020-07-13</a:t>
+              <a:t>2020-07-22</a:t>
             </a:fld>
             <a:endParaRPr lang="ko-KR" altLang="en-US"/>
           </a:p>
@@ -1815,7 +1815,7 @@
           <a:p>
             <a:fld id="{3DAA3491-8CDC-4C43-9D02-704F392174B2}" type="datetimeFigureOut">
               <a:rPr lang="ko-KR" altLang="en-US" smtClean="0"/>
-              <a:t>2020-07-13</a:t>
+              <a:t>2020-07-22</a:t>
             </a:fld>
             <a:endParaRPr lang="ko-KR" altLang="en-US"/>
           </a:p>
@@ -1956,7 +1956,7 @@
           <a:p>
             <a:fld id="{3DAA3491-8CDC-4C43-9D02-704F392174B2}" type="datetimeFigureOut">
               <a:rPr lang="ko-KR" altLang="en-US" smtClean="0"/>
-              <a:t>2020-07-13</a:t>
+              <a:t>2020-07-22</a:t>
             </a:fld>
             <a:endParaRPr lang="ko-KR" altLang="en-US"/>
           </a:p>
@@ -2069,7 +2069,7 @@
           <a:p>
             <a:fld id="{3DAA3491-8CDC-4C43-9D02-704F392174B2}" type="datetimeFigureOut">
               <a:rPr lang="ko-KR" altLang="en-US" smtClean="0"/>
-              <a:t>2020-07-13</a:t>
+              <a:t>2020-07-22</a:t>
             </a:fld>
             <a:endParaRPr lang="ko-KR" altLang="en-US"/>
           </a:p>
@@ -2380,7 +2380,7 @@
           <a:p>
             <a:fld id="{3DAA3491-8CDC-4C43-9D02-704F392174B2}" type="datetimeFigureOut">
               <a:rPr lang="ko-KR" altLang="en-US" smtClean="0"/>
-              <a:t>2020-07-13</a:t>
+              <a:t>2020-07-22</a:t>
             </a:fld>
             <a:endParaRPr lang="ko-KR" altLang="en-US"/>
           </a:p>
@@ -2668,7 +2668,7 @@
           <a:p>
             <a:fld id="{3DAA3491-8CDC-4C43-9D02-704F392174B2}" type="datetimeFigureOut">
               <a:rPr lang="ko-KR" altLang="en-US" smtClean="0"/>
-              <a:t>2020-07-13</a:t>
+              <a:t>2020-07-22</a:t>
             </a:fld>
             <a:endParaRPr lang="ko-KR" altLang="en-US"/>
           </a:p>
@@ -2909,7 +2909,7 @@
           <a:p>
             <a:fld id="{3DAA3491-8CDC-4C43-9D02-704F392174B2}" type="datetimeFigureOut">
               <a:rPr lang="ko-KR" altLang="en-US" smtClean="0"/>
-              <a:t>2020-07-13</a:t>
+              <a:t>2020-07-22</a:t>
             </a:fld>
             <a:endParaRPr lang="ko-KR" altLang="en-US"/>
           </a:p>
@@ -3341,7 +3341,7 @@
           <p:nvPr>
             <p:extLst>
               <p:ext uri="{D42A27DB-BD31-4B8C-83A1-F6EECF244321}">
-                <p14:modId xmlns:p14="http://schemas.microsoft.com/office/powerpoint/2010/main" val="3157652316"/>
+                <p14:modId xmlns:p14="http://schemas.microsoft.com/office/powerpoint/2010/main" val="3481439977"/>
               </p:ext>
             </p:extLst>
           </p:nvPr>
@@ -3502,17 +3502,17 @@
                   </a:txBody>
                   <a:tcPr/>
                 </a:tc>
-                <a:tc>
+                <a:tc rowSpan="3">
                   <a:txBody>
                     <a:bodyPr/>
                     <a:lstStyle/>
                     <a:p>
                       <a:pPr algn="ctr" latinLnBrk="1"/>
                       <a:r>
-                        <a:rPr lang="en-US" altLang="ko-KR"/>
-                        <a:t>7</a:t>
+                        <a:rPr lang="en-US" altLang="ko-KR" dirty="0"/>
+                        <a:t>L7(Firewall)</a:t>
                       </a:r>
-                      <a:endParaRPr lang="ko-KR" altLang="en-US"/>
+                      <a:endParaRPr lang="ko-KR" altLang="en-US" dirty="0"/>
                     </a:p>
                   </a:txBody>
                   <a:tcPr/>
@@ -3605,16 +3605,12 @@
                   </a:txBody>
                   <a:tcPr/>
                 </a:tc>
-                <a:tc>
+                <a:tc vMerge="1">
                   <a:txBody>
                     <a:bodyPr/>
                     <a:lstStyle/>
                     <a:p>
                       <a:pPr algn="ctr" latinLnBrk="1"/>
-                      <a:r>
-                        <a:rPr lang="en-US" altLang="ko-KR" dirty="0"/>
-                        <a:t>6</a:t>
-                      </a:r>
                       <a:endParaRPr lang="ko-KR" altLang="en-US" dirty="0"/>
                     </a:p>
                   </a:txBody>
@@ -3679,16 +3675,12 @@
                   </a:txBody>
                   <a:tcPr/>
                 </a:tc>
-                <a:tc>
+                <a:tc vMerge="1">
                   <a:txBody>
                     <a:bodyPr/>
                     <a:lstStyle/>
                     <a:p>
                       <a:pPr algn="ctr" latinLnBrk="1"/>
-                      <a:r>
-                        <a:rPr lang="en-US" altLang="ko-KR" dirty="0"/>
-                        <a:t>5</a:t>
-                      </a:r>
                       <a:endParaRPr lang="ko-KR" altLang="en-US" dirty="0"/>
                     </a:p>
                   </a:txBody>
@@ -3761,7 +3753,7 @@
                       <a:pPr algn="ctr" latinLnBrk="1"/>
                       <a:r>
                         <a:rPr lang="en-US" altLang="ko-KR" dirty="0"/>
-                        <a:t>4</a:t>
+                        <a:t>L4(NAT)</a:t>
                       </a:r>
                       <a:endParaRPr lang="ko-KR" altLang="en-US" dirty="0"/>
                     </a:p>
@@ -3843,7 +3835,7 @@
                       <a:pPr algn="ctr" latinLnBrk="1"/>
                       <a:r>
                         <a:rPr lang="en-US" altLang="ko-KR" dirty="0"/>
-                        <a:t>3</a:t>
+                        <a:t>L3(router)</a:t>
                       </a:r>
                       <a:endParaRPr lang="ko-KR" altLang="en-US" dirty="0"/>
                     </a:p>
@@ -3925,7 +3917,7 @@
                       <a:pPr algn="ctr" latinLnBrk="1"/>
                       <a:r>
                         <a:rPr lang="en-US" altLang="ko-KR" dirty="0"/>
-                        <a:t>2</a:t>
+                        <a:t>L2(switch)</a:t>
                       </a:r>
                       <a:endParaRPr lang="ko-KR" altLang="en-US" dirty="0"/>
                     </a:p>
@@ -4018,7 +4010,7 @@
                       <a:pPr algn="ctr" latinLnBrk="1"/>
                       <a:r>
                         <a:rPr lang="en-US" altLang="ko-KR" dirty="0"/>
-                        <a:t>1</a:t>
+                        <a:t>L1</a:t>
                       </a:r>
                       <a:endParaRPr lang="ko-KR" altLang="en-US" dirty="0"/>
                     </a:p>
